--- a/Visual Analytics.pptx
+++ b/Visual Analytics.pptx
@@ -4192,7 +4192,7 @@
           <p:cNvPr id="6" name="Footer Placeholder 4">
             <a:extLst>
               <a:ext uri="{FF2B5EF4-FFF2-40B4-BE49-F238E27FC236}">
-                <a16:creationId xmlns:a16="http://schemas.microsoft.com/office/drawing/2014/main" xmlns="" id="{CD94752E-234E-4966-9322-36BBFDF9CB1C}"/>
+                <a16:creationId xmlns="" xmlns:a16="http://schemas.microsoft.com/office/drawing/2014/main" id="{CD94752E-234E-4966-9322-36BBFDF9CB1C}"/>
               </a:ext>
             </a:extLst>
           </p:cNvPr>
@@ -4361,7 +4361,7 @@
           <p:cNvPr id="7" name="Picture 6">
             <a:extLst>
               <a:ext uri="{FF2B5EF4-FFF2-40B4-BE49-F238E27FC236}">
-                <a16:creationId xmlns:a16="http://schemas.microsoft.com/office/drawing/2014/main" xmlns="" id="{7926F2E1-3C89-470B-802A-11148B26F957}"/>
+                <a16:creationId xmlns="" xmlns:a16="http://schemas.microsoft.com/office/drawing/2014/main" id="{7926F2E1-3C89-470B-802A-11148B26F957}"/>
               </a:ext>
             </a:extLst>
           </p:cNvPr>
@@ -4489,7 +4489,7 @@
           <p:cNvPr id="5" name="Picture 4">
             <a:extLst>
               <a:ext uri="{FF2B5EF4-FFF2-40B4-BE49-F238E27FC236}">
-                <a16:creationId xmlns:a16="http://schemas.microsoft.com/office/drawing/2014/main" xmlns="" id="{B2B5EB0F-C2C7-4C20-815D-654C52F643B0}"/>
+                <a16:creationId xmlns="" xmlns:a16="http://schemas.microsoft.com/office/drawing/2014/main" id="{B2B5EB0F-C2C7-4C20-815D-654C52F643B0}"/>
               </a:ext>
             </a:extLst>
           </p:cNvPr>
@@ -4525,7 +4525,7 @@
           <p:cNvPr id="6" name="TextBox 5">
             <a:extLst>
               <a:ext uri="{FF2B5EF4-FFF2-40B4-BE49-F238E27FC236}">
-                <a16:creationId xmlns:a16="http://schemas.microsoft.com/office/drawing/2014/main" xmlns="" id="{C1A9C140-F124-4D65-AB89-E9D01040809F}"/>
+                <a16:creationId xmlns="" xmlns:a16="http://schemas.microsoft.com/office/drawing/2014/main" id="{C1A9C140-F124-4D65-AB89-E9D01040809F}"/>
               </a:ext>
             </a:extLst>
           </p:cNvPr>
@@ -4560,7 +4560,7 @@
           <p:cNvPr id="8" name="Picture 7">
             <a:extLst>
               <a:ext uri="{FF2B5EF4-FFF2-40B4-BE49-F238E27FC236}">
-                <a16:creationId xmlns:a16="http://schemas.microsoft.com/office/drawing/2014/main" xmlns="" id="{CF4F7C75-9C99-42A2-9922-75E0C9A7AD0D}"/>
+                <a16:creationId xmlns="" xmlns:a16="http://schemas.microsoft.com/office/drawing/2014/main" id="{CF4F7C75-9C99-42A2-9922-75E0C9A7AD0D}"/>
               </a:ext>
             </a:extLst>
           </p:cNvPr>
@@ -4596,7 +4596,7 @@
           <p:cNvPr id="9" name="TextBox 8">
             <a:extLst>
               <a:ext uri="{FF2B5EF4-FFF2-40B4-BE49-F238E27FC236}">
-                <a16:creationId xmlns:a16="http://schemas.microsoft.com/office/drawing/2014/main" xmlns="" id="{B109F813-9560-4C59-8FB0-7397A9723ACF}"/>
+                <a16:creationId xmlns="" xmlns:a16="http://schemas.microsoft.com/office/drawing/2014/main" id="{B109F813-9560-4C59-8FB0-7397A9723ACF}"/>
               </a:ext>
             </a:extLst>
           </p:cNvPr>
@@ -4631,7 +4631,7 @@
           <p:cNvPr id="11" name="Picture 10">
             <a:extLst>
               <a:ext uri="{FF2B5EF4-FFF2-40B4-BE49-F238E27FC236}">
-                <a16:creationId xmlns:a16="http://schemas.microsoft.com/office/drawing/2014/main" xmlns="" id="{8B83D6D8-8B3C-4FF6-8D39-05E56B04E020}"/>
+                <a16:creationId xmlns="" xmlns:a16="http://schemas.microsoft.com/office/drawing/2014/main" id="{8B83D6D8-8B3C-4FF6-8D39-05E56B04E020}"/>
               </a:ext>
             </a:extLst>
           </p:cNvPr>
@@ -4667,7 +4667,7 @@
           <p:cNvPr id="12" name="TextBox 11">
             <a:extLst>
               <a:ext uri="{FF2B5EF4-FFF2-40B4-BE49-F238E27FC236}">
-                <a16:creationId xmlns:a16="http://schemas.microsoft.com/office/drawing/2014/main" xmlns="" id="{3CD9DA25-318E-42D7-BFF7-E5B918C902B6}"/>
+                <a16:creationId xmlns="" xmlns:a16="http://schemas.microsoft.com/office/drawing/2014/main" id="{3CD9DA25-318E-42D7-BFF7-E5B918C902B6}"/>
               </a:ext>
             </a:extLst>
           </p:cNvPr>
@@ -4702,7 +4702,7 @@
           <p:cNvPr id="14" name="Picture 13">
             <a:extLst>
               <a:ext uri="{FF2B5EF4-FFF2-40B4-BE49-F238E27FC236}">
-                <a16:creationId xmlns:a16="http://schemas.microsoft.com/office/drawing/2014/main" xmlns="" id="{E63DF541-5EC2-448D-9275-EEDA2D7A3DC2}"/>
+                <a16:creationId xmlns="" xmlns:a16="http://schemas.microsoft.com/office/drawing/2014/main" id="{E63DF541-5EC2-448D-9275-EEDA2D7A3DC2}"/>
               </a:ext>
             </a:extLst>
           </p:cNvPr>
@@ -4738,7 +4738,7 @@
           <p:cNvPr id="15" name="TextBox 14">
             <a:extLst>
               <a:ext uri="{FF2B5EF4-FFF2-40B4-BE49-F238E27FC236}">
-                <a16:creationId xmlns:a16="http://schemas.microsoft.com/office/drawing/2014/main" xmlns="" id="{AB80EB3E-E07F-4CB4-88BA-A6C829959F85}"/>
+                <a16:creationId xmlns="" xmlns:a16="http://schemas.microsoft.com/office/drawing/2014/main" id="{AB80EB3E-E07F-4CB4-88BA-A6C829959F85}"/>
               </a:ext>
             </a:extLst>
           </p:cNvPr>
@@ -4865,7 +4865,7 @@
           <p:cNvPr id="6" name="TextBox 5">
             <a:extLst>
               <a:ext uri="{FF2B5EF4-FFF2-40B4-BE49-F238E27FC236}">
-                <a16:creationId xmlns:a16="http://schemas.microsoft.com/office/drawing/2014/main" xmlns="" id="{C1A9C140-F124-4D65-AB89-E9D01040809F}"/>
+                <a16:creationId xmlns="" xmlns:a16="http://schemas.microsoft.com/office/drawing/2014/main" id="{C1A9C140-F124-4D65-AB89-E9D01040809F}"/>
               </a:ext>
             </a:extLst>
           </p:cNvPr>
@@ -4900,7 +4900,7 @@
           <p:cNvPr id="12" name="TextBox 11">
             <a:extLst>
               <a:ext uri="{FF2B5EF4-FFF2-40B4-BE49-F238E27FC236}">
-                <a16:creationId xmlns:a16="http://schemas.microsoft.com/office/drawing/2014/main" xmlns="" id="{3CD9DA25-318E-42D7-BFF7-E5B918C902B6}"/>
+                <a16:creationId xmlns="" xmlns:a16="http://schemas.microsoft.com/office/drawing/2014/main" id="{3CD9DA25-318E-42D7-BFF7-E5B918C902B6}"/>
               </a:ext>
             </a:extLst>
           </p:cNvPr>
@@ -4935,7 +4935,7 @@
           <p:cNvPr id="15" name="TextBox 14">
             <a:extLst>
               <a:ext uri="{FF2B5EF4-FFF2-40B4-BE49-F238E27FC236}">
-                <a16:creationId xmlns:a16="http://schemas.microsoft.com/office/drawing/2014/main" xmlns="" id="{AB80EB3E-E07F-4CB4-88BA-A6C829959F85}"/>
+                <a16:creationId xmlns="" xmlns:a16="http://schemas.microsoft.com/office/drawing/2014/main" id="{AB80EB3E-E07F-4CB4-88BA-A6C829959F85}"/>
               </a:ext>
             </a:extLst>
           </p:cNvPr>
@@ -4970,7 +4970,7 @@
           <p:cNvPr id="7" name="Picture 6">
             <a:extLst>
               <a:ext uri="{FF2B5EF4-FFF2-40B4-BE49-F238E27FC236}">
-                <a16:creationId xmlns:a16="http://schemas.microsoft.com/office/drawing/2014/main" xmlns="" id="{23759A56-3891-4FF8-9FD1-BB2929BC9D4F}"/>
+                <a16:creationId xmlns="" xmlns:a16="http://schemas.microsoft.com/office/drawing/2014/main" id="{23759A56-3891-4FF8-9FD1-BB2929BC9D4F}"/>
               </a:ext>
             </a:extLst>
           </p:cNvPr>
@@ -5006,7 +5006,7 @@
           <p:cNvPr id="13" name="Picture 12" descr="A screenshot of a cell phone&#10;&#10;Description generated with high confidence">
             <a:extLst>
               <a:ext uri="{FF2B5EF4-FFF2-40B4-BE49-F238E27FC236}">
-                <a16:creationId xmlns:a16="http://schemas.microsoft.com/office/drawing/2014/main" xmlns="" id="{B41F4CEA-EA7A-47CC-A910-868B1554B5CA}"/>
+                <a16:creationId xmlns="" xmlns:a16="http://schemas.microsoft.com/office/drawing/2014/main" id="{B41F4CEA-EA7A-47CC-A910-868B1554B5CA}"/>
               </a:ext>
             </a:extLst>
           </p:cNvPr>
@@ -5042,7 +5042,7 @@
           <p:cNvPr id="17" name="Picture 16" descr="A screenshot of a cell phone&#10;&#10;Description generated with very high confidence">
             <a:extLst>
               <a:ext uri="{FF2B5EF4-FFF2-40B4-BE49-F238E27FC236}">
-                <a16:creationId xmlns:a16="http://schemas.microsoft.com/office/drawing/2014/main" xmlns="" id="{EE4FE7CD-F82B-4909-80C2-618A9BE8AAAE}"/>
+                <a16:creationId xmlns="" xmlns:a16="http://schemas.microsoft.com/office/drawing/2014/main" id="{EE4FE7CD-F82B-4909-80C2-618A9BE8AAAE}"/>
               </a:ext>
             </a:extLst>
           </p:cNvPr>
@@ -5170,7 +5170,7 @@
           <p:cNvPr id="12" name="TextBox 11">
             <a:extLst>
               <a:ext uri="{FF2B5EF4-FFF2-40B4-BE49-F238E27FC236}">
-                <a16:creationId xmlns:a16="http://schemas.microsoft.com/office/drawing/2014/main" xmlns="" id="{3CD9DA25-318E-42D7-BFF7-E5B918C902B6}"/>
+                <a16:creationId xmlns="" xmlns:a16="http://schemas.microsoft.com/office/drawing/2014/main" id="{3CD9DA25-318E-42D7-BFF7-E5B918C902B6}"/>
               </a:ext>
             </a:extLst>
           </p:cNvPr>
@@ -5209,7 +5209,7 @@
           <p:cNvPr id="5" name="Picture 4" descr="A screenshot of a cell phone&#10;&#10;Description generated with very high confidence">
             <a:extLst>
               <a:ext uri="{FF2B5EF4-FFF2-40B4-BE49-F238E27FC236}">
-                <a16:creationId xmlns:a16="http://schemas.microsoft.com/office/drawing/2014/main" xmlns="" id="{BFA12997-D306-49B9-B741-3FD2B7D20A95}"/>
+                <a16:creationId xmlns="" xmlns:a16="http://schemas.microsoft.com/office/drawing/2014/main" id="{BFA12997-D306-49B9-B741-3FD2B7D20A95}"/>
               </a:ext>
             </a:extLst>
           </p:cNvPr>
@@ -5245,7 +5245,7 @@
           <p:cNvPr id="9" name="Picture 8" descr="A screenshot of a cell phone&#10;&#10;Description generated with very high confidence">
             <a:extLst>
               <a:ext uri="{FF2B5EF4-FFF2-40B4-BE49-F238E27FC236}">
-                <a16:creationId xmlns:a16="http://schemas.microsoft.com/office/drawing/2014/main" xmlns="" id="{28BC0C05-4394-43DF-AD68-3C4B6347E434}"/>
+                <a16:creationId xmlns="" xmlns:a16="http://schemas.microsoft.com/office/drawing/2014/main" id="{28BC0C05-4394-43DF-AD68-3C4B6347E434}"/>
               </a:ext>
             </a:extLst>
           </p:cNvPr>
@@ -5281,7 +5281,7 @@
           <p:cNvPr id="14" name="TextBox 13">
             <a:extLst>
               <a:ext uri="{FF2B5EF4-FFF2-40B4-BE49-F238E27FC236}">
-                <a16:creationId xmlns:a16="http://schemas.microsoft.com/office/drawing/2014/main" xmlns="" id="{34DE08DD-460B-4AC4-9ACB-4E23B08BA070}"/>
+                <a16:creationId xmlns="" xmlns:a16="http://schemas.microsoft.com/office/drawing/2014/main" id="{34DE08DD-460B-4AC4-9ACB-4E23B08BA070}"/>
               </a:ext>
             </a:extLst>
           </p:cNvPr>
@@ -5408,7 +5408,29 @@
             <a:pPr marL="0" indent="0">
               <a:buNone/>
             </a:pPr>
-            <a:endParaRPr lang="en-IN" sz="2000" b="1" u="sng" dirty="0"/>
+            <a:r>
+              <a:rPr lang="en-IN" sz="2000" b="1" dirty="0">
+                <a:hlinkClick r:id="rId2"/>
+              </a:rPr>
+              <a:t>https</a:t>
+            </a:r>
+            <a:r>
+              <a:rPr lang="en-IN" sz="2000" b="1">
+                <a:hlinkClick r:id="rId2"/>
+              </a:rPr>
+              <a:t>://</a:t>
+            </a:r>
+            <a:r>
+              <a:rPr lang="en-IN" sz="2000" b="1" smtClean="0">
+                <a:hlinkClick r:id="rId2"/>
+              </a:rPr>
+              <a:t>github.com/svijayshandilya/Visual_analatics</a:t>
+            </a:r>
+            <a:r>
+              <a:rPr lang="en-IN" sz="2000" b="1" smtClean="0"/>
+              <a:t> </a:t>
+            </a:r>
+            <a:endParaRPr lang="en-IN" sz="2000" b="1" dirty="0"/>
           </a:p>
         </p:txBody>
       </p:sp>
